--- a/intrinsic image/six.pptx
+++ b/intrinsic image/six.pptx
@@ -214,7 +214,7 @@
           <a:p>
             <a:fld id="{8DF009CD-3636-4323-81D2-227D6848A6FE}" type="datetimeFigureOut">
               <a:rPr lang="zh-CN" altLang="en-US" smtClean="0"/>
-              <a:t>2019/5/9</a:t>
+              <a:t>2019/11/12</a:t>
             </a:fld>
             <a:endParaRPr lang="zh-CN" altLang="en-US"/>
           </a:p>
@@ -3827,7 +3827,7 @@
           <a:p>
             <a:fld id="{5FF19574-3AD8-48D7-AF76-411F1F40D4B0}" type="datetimeFigureOut">
               <a:rPr lang="zh-CN" altLang="en-US" smtClean="0"/>
-              <a:t>2019/5/9</a:t>
+              <a:t>2019/11/12</a:t>
             </a:fld>
             <a:endParaRPr lang="zh-CN" altLang="en-US"/>
           </a:p>
@@ -4025,7 +4025,7 @@
           <a:p>
             <a:fld id="{5FF19574-3AD8-48D7-AF76-411F1F40D4B0}" type="datetimeFigureOut">
               <a:rPr lang="zh-CN" altLang="en-US" smtClean="0"/>
-              <a:t>2019/5/9</a:t>
+              <a:t>2019/11/12</a:t>
             </a:fld>
             <a:endParaRPr lang="zh-CN" altLang="en-US"/>
           </a:p>
@@ -4233,7 +4233,7 @@
           <a:p>
             <a:fld id="{5FF19574-3AD8-48D7-AF76-411F1F40D4B0}" type="datetimeFigureOut">
               <a:rPr lang="zh-CN" altLang="en-US" smtClean="0"/>
-              <a:t>2019/5/9</a:t>
+              <a:t>2019/11/12</a:t>
             </a:fld>
             <a:endParaRPr lang="zh-CN" altLang="en-US"/>
           </a:p>
@@ -4431,7 +4431,7 @@
           <a:p>
             <a:fld id="{5FF19574-3AD8-48D7-AF76-411F1F40D4B0}" type="datetimeFigureOut">
               <a:rPr lang="zh-CN" altLang="en-US" smtClean="0"/>
-              <a:t>2019/5/9</a:t>
+              <a:t>2019/11/12</a:t>
             </a:fld>
             <a:endParaRPr lang="zh-CN" altLang="en-US"/>
           </a:p>
@@ -4706,7 +4706,7 @@
           <a:p>
             <a:fld id="{5FF19574-3AD8-48D7-AF76-411F1F40D4B0}" type="datetimeFigureOut">
               <a:rPr lang="zh-CN" altLang="en-US" smtClean="0"/>
-              <a:t>2019/5/9</a:t>
+              <a:t>2019/11/12</a:t>
             </a:fld>
             <a:endParaRPr lang="zh-CN" altLang="en-US"/>
           </a:p>
@@ -4971,7 +4971,7 @@
           <a:p>
             <a:fld id="{5FF19574-3AD8-48D7-AF76-411F1F40D4B0}" type="datetimeFigureOut">
               <a:rPr lang="zh-CN" altLang="en-US" smtClean="0"/>
-              <a:t>2019/5/9</a:t>
+              <a:t>2019/11/12</a:t>
             </a:fld>
             <a:endParaRPr lang="zh-CN" altLang="en-US"/>
           </a:p>
@@ -5383,7 +5383,7 @@
           <a:p>
             <a:fld id="{5FF19574-3AD8-48D7-AF76-411F1F40D4B0}" type="datetimeFigureOut">
               <a:rPr lang="zh-CN" altLang="en-US" smtClean="0"/>
-              <a:t>2019/5/9</a:t>
+              <a:t>2019/11/12</a:t>
             </a:fld>
             <a:endParaRPr lang="zh-CN" altLang="en-US"/>
           </a:p>
@@ -5524,7 +5524,7 @@
           <a:p>
             <a:fld id="{5FF19574-3AD8-48D7-AF76-411F1F40D4B0}" type="datetimeFigureOut">
               <a:rPr lang="zh-CN" altLang="en-US" smtClean="0"/>
-              <a:t>2019/5/9</a:t>
+              <a:t>2019/11/12</a:t>
             </a:fld>
             <a:endParaRPr lang="zh-CN" altLang="en-US"/>
           </a:p>
@@ -5637,7 +5637,7 @@
           <a:p>
             <a:fld id="{5FF19574-3AD8-48D7-AF76-411F1F40D4B0}" type="datetimeFigureOut">
               <a:rPr lang="zh-CN" altLang="en-US" smtClean="0"/>
-              <a:t>2019/5/9</a:t>
+              <a:t>2019/11/12</a:t>
             </a:fld>
             <a:endParaRPr lang="zh-CN" altLang="en-US"/>
           </a:p>
@@ -5948,7 +5948,7 @@
           <a:p>
             <a:fld id="{5FF19574-3AD8-48D7-AF76-411F1F40D4B0}" type="datetimeFigureOut">
               <a:rPr lang="zh-CN" altLang="en-US" smtClean="0"/>
-              <a:t>2019/5/9</a:t>
+              <a:t>2019/11/12</a:t>
             </a:fld>
             <a:endParaRPr lang="zh-CN" altLang="en-US"/>
           </a:p>
@@ -6236,7 +6236,7 @@
           <a:p>
             <a:fld id="{5FF19574-3AD8-48D7-AF76-411F1F40D4B0}" type="datetimeFigureOut">
               <a:rPr lang="zh-CN" altLang="en-US" smtClean="0"/>
-              <a:t>2019/5/9</a:t>
+              <a:t>2019/11/12</a:t>
             </a:fld>
             <a:endParaRPr lang="zh-CN" altLang="en-US"/>
           </a:p>
@@ -6477,7 +6477,7 @@
           <a:p>
             <a:fld id="{5FF19574-3AD8-48D7-AF76-411F1F40D4B0}" type="datetimeFigureOut">
               <a:rPr lang="zh-CN" altLang="en-US" smtClean="0"/>
-              <a:t>2019/5/9</a:t>
+              <a:t>2019/11/12</a:t>
             </a:fld>
             <a:endParaRPr lang="zh-CN" altLang="en-US"/>
           </a:p>
@@ -6916,11 +6916,18 @@
           <a:lstStyle/>
           <a:p>
             <a:r>
+              <a:rPr lang="zh-CN" altLang="en-US">
+                <a:latin typeface="楷体" panose="02010609060101010101" pitchFamily="49" charset="-122"/>
+                <a:ea typeface="楷体" panose="02010609060101010101" pitchFamily="49" charset="-122"/>
+              </a:rPr>
+              <a:t>本征图像</a:t>
+            </a:r>
+            <a:r>
               <a:rPr lang="zh-CN" altLang="en-US" dirty="0">
                 <a:latin typeface="楷体" panose="02010609060101010101" pitchFamily="49" charset="-122"/>
                 <a:ea typeface="楷体" panose="02010609060101010101" pitchFamily="49" charset="-122"/>
               </a:rPr>
-              <a:t>本质图像论文汇报（六）</a:t>
+              <a:t>论文汇报（六）</a:t>
             </a:r>
             <a:endParaRPr lang="zh-CN" altLang="en-US" dirty="0"/>
           </a:p>
